--- a/Lecture01/3_Data_Science_Simplified_Example_Analogy.pptx
+++ b/Lecture01/3_Data_Science_Simplified_Example_Analogy.pptx
@@ -214,7 +214,7 @@
           <a:p>
             <a:fld id="{CC5F3281-8FB9-473E-A2D4-7CB57B98F8A4}" type="datetimeFigureOut">
               <a:rPr lang="en-US" smtClean="0"/>
-              <a:t>1/28/2023</a:t>
+              <a:t>1/30/2023</a:t>
             </a:fld>
             <a:endParaRPr lang="en-US"/>
           </a:p>
@@ -928,7 +928,7 @@
           <a:p>
             <a:fld id="{7463C41C-A487-0C45-A261-16903102544D}" type="datetimeFigureOut">
               <a:rPr lang="en-US" smtClean="0"/>
-              <a:t>1/28/2023</a:t>
+              <a:t>1/30/2023</a:t>
             </a:fld>
             <a:endParaRPr lang="en-US"/>
           </a:p>
@@ -1184,7 +1184,7 @@
           <a:p>
             <a:fld id="{7463C41C-A487-0C45-A261-16903102544D}" type="datetimeFigureOut">
               <a:rPr lang="en-US" smtClean="0"/>
-              <a:t>1/28/2023</a:t>
+              <a:t>1/30/2023</a:t>
             </a:fld>
             <a:endParaRPr lang="en-US"/>
           </a:p>
@@ -1643,7 +1643,7 @@
           <a:p>
             <a:fld id="{7463C41C-A487-0C45-A261-16903102544D}" type="datetimeFigureOut">
               <a:rPr lang="en-US" smtClean="0"/>
-              <a:t>1/28/2023</a:t>
+              <a:t>1/30/2023</a:t>
             </a:fld>
             <a:endParaRPr lang="en-US"/>
           </a:p>
@@ -1963,7 +1963,7 @@
           <a:p>
             <a:fld id="{7463C41C-A487-0C45-A261-16903102544D}" type="datetimeFigureOut">
               <a:rPr lang="en-US" smtClean="0"/>
-              <a:t>1/28/2023</a:t>
+              <a:t>1/30/2023</a:t>
             </a:fld>
             <a:endParaRPr lang="en-US"/>
           </a:p>
@@ -2412,7 +2412,7 @@
           <a:p>
             <a:fld id="{7463C41C-A487-0C45-A261-16903102544D}" type="datetimeFigureOut">
               <a:rPr lang="en-US" smtClean="0"/>
-              <a:t>1/28/2023</a:t>
+              <a:t>1/30/2023</a:t>
             </a:fld>
             <a:endParaRPr lang="en-US"/>
           </a:p>
@@ -2559,7 +2559,7 @@
           <a:p>
             <a:fld id="{7463C41C-A487-0C45-A261-16903102544D}" type="datetimeFigureOut">
               <a:rPr lang="en-US" smtClean="0"/>
-              <a:t>1/28/2023</a:t>
+              <a:t>1/30/2023</a:t>
             </a:fld>
             <a:endParaRPr lang="en-US"/>
           </a:p>
@@ -2669,7 +2669,7 @@
           <a:p>
             <a:fld id="{7463C41C-A487-0C45-A261-16903102544D}" type="datetimeFigureOut">
               <a:rPr lang="en-US" smtClean="0"/>
-              <a:t>1/28/2023</a:t>
+              <a:t>1/30/2023</a:t>
             </a:fld>
             <a:endParaRPr lang="en-US"/>
           </a:p>
@@ -2959,7 +2959,7 @@
           <a:p>
             <a:fld id="{7463C41C-A487-0C45-A261-16903102544D}" type="datetimeFigureOut">
               <a:rPr lang="en-US" smtClean="0"/>
-              <a:t>1/28/2023</a:t>
+              <a:t>1/30/2023</a:t>
             </a:fld>
             <a:endParaRPr lang="en-US"/>
           </a:p>
@@ -3407,7 +3407,7 @@
           <a:p>
             <a:fld id="{7463C41C-A487-0C45-A261-16903102544D}" type="datetimeFigureOut">
               <a:rPr lang="en-US" smtClean="0"/>
-              <a:t>1/28/2023</a:t>
+              <a:t>1/30/2023</a:t>
             </a:fld>
             <a:endParaRPr lang="en-US"/>
           </a:p>

--- a/Lecture01/3_Data_Science_Simplified_Example_Analogy.pptx
+++ b/Lecture01/3_Data_Science_Simplified_Example_Analogy.pptx
@@ -214,7 +214,7 @@
           <a:p>
             <a:fld id="{CC5F3281-8FB9-473E-A2D4-7CB57B98F8A4}" type="datetimeFigureOut">
               <a:rPr lang="en-US" smtClean="0"/>
-              <a:t>1/30/2023</a:t>
+              <a:t>1/25/2024</a:t>
             </a:fld>
             <a:endParaRPr lang="en-US"/>
           </a:p>
@@ -928,7 +928,7 @@
           <a:p>
             <a:fld id="{7463C41C-A487-0C45-A261-16903102544D}" type="datetimeFigureOut">
               <a:rPr lang="en-US" smtClean="0"/>
-              <a:t>1/30/2023</a:t>
+              <a:t>1/25/2024</a:t>
             </a:fld>
             <a:endParaRPr lang="en-US"/>
           </a:p>
@@ -1184,7 +1184,7 @@
           <a:p>
             <a:fld id="{7463C41C-A487-0C45-A261-16903102544D}" type="datetimeFigureOut">
               <a:rPr lang="en-US" smtClean="0"/>
-              <a:t>1/30/2023</a:t>
+              <a:t>1/25/2024</a:t>
             </a:fld>
             <a:endParaRPr lang="en-US"/>
           </a:p>
@@ -1643,7 +1643,7 @@
           <a:p>
             <a:fld id="{7463C41C-A487-0C45-A261-16903102544D}" type="datetimeFigureOut">
               <a:rPr lang="en-US" smtClean="0"/>
-              <a:t>1/30/2023</a:t>
+              <a:t>1/25/2024</a:t>
             </a:fld>
             <a:endParaRPr lang="en-US"/>
           </a:p>
@@ -1963,7 +1963,7 @@
           <a:p>
             <a:fld id="{7463C41C-A487-0C45-A261-16903102544D}" type="datetimeFigureOut">
               <a:rPr lang="en-US" smtClean="0"/>
-              <a:t>1/30/2023</a:t>
+              <a:t>1/25/2024</a:t>
             </a:fld>
             <a:endParaRPr lang="en-US"/>
           </a:p>
@@ -2412,7 +2412,7 @@
           <a:p>
             <a:fld id="{7463C41C-A487-0C45-A261-16903102544D}" type="datetimeFigureOut">
               <a:rPr lang="en-US" smtClean="0"/>
-              <a:t>1/30/2023</a:t>
+              <a:t>1/25/2024</a:t>
             </a:fld>
             <a:endParaRPr lang="en-US"/>
           </a:p>
@@ -2559,7 +2559,7 @@
           <a:p>
             <a:fld id="{7463C41C-A487-0C45-A261-16903102544D}" type="datetimeFigureOut">
               <a:rPr lang="en-US" smtClean="0"/>
-              <a:t>1/30/2023</a:t>
+              <a:t>1/25/2024</a:t>
             </a:fld>
             <a:endParaRPr lang="en-US"/>
           </a:p>
@@ -2669,7 +2669,7 @@
           <a:p>
             <a:fld id="{7463C41C-A487-0C45-A261-16903102544D}" type="datetimeFigureOut">
               <a:rPr lang="en-US" smtClean="0"/>
-              <a:t>1/30/2023</a:t>
+              <a:t>1/25/2024</a:t>
             </a:fld>
             <a:endParaRPr lang="en-US"/>
           </a:p>
@@ -2959,7 +2959,7 @@
           <a:p>
             <a:fld id="{7463C41C-A487-0C45-A261-16903102544D}" type="datetimeFigureOut">
               <a:rPr lang="en-US" smtClean="0"/>
-              <a:t>1/30/2023</a:t>
+              <a:t>1/25/2024</a:t>
             </a:fld>
             <a:endParaRPr lang="en-US"/>
           </a:p>
@@ -3407,7 +3407,7 @@
           <a:p>
             <a:fld id="{7463C41C-A487-0C45-A261-16903102544D}" type="datetimeFigureOut">
               <a:rPr lang="en-US" smtClean="0"/>
-              <a:t>1/30/2023</a:t>
+              <a:t>1/25/2024</a:t>
             </a:fld>
             <a:endParaRPr lang="en-US"/>
           </a:p>
@@ -4105,7 +4105,7 @@
           <a:p>
             <a:r>
               <a:rPr lang="en-US" dirty="0"/>
-              <a:t>We classify, group and aggregate data in specific ways to analyze.</a:t>
+              <a:t>We filter data, classify, group and aggregate data in specific ways to analyze.</a:t>
             </a:r>
           </a:p>
           <a:p>
@@ -4114,7 +4114,7 @@
           <a:p>
             <a:r>
               <a:rPr lang="en-US" dirty="0"/>
-              <a:t>The analysis results to support some decision.</a:t>
+              <a:t>The analysis results support some decision.</a:t>
             </a:r>
           </a:p>
         </p:txBody>
